--- a/assets/media/image/thumbnail.pptx
+++ b/assets/media/image/thumbnail.pptx
@@ -6,6 +6,7 @@
   </p:sldMasterIdLst>
   <p:sldIdLst>
     <p:sldId id="256" r:id="rId2"/>
+    <p:sldId id="257" r:id="rId3"/>
   </p:sldIdLst>
   <p:sldSz cx="12192000" cy="6858000"/>
   <p:notesSz cx="6858000" cy="9144000"/>
@@ -270,7 +271,7 @@
           <a:p>
             <a:fld id="{92BD0B2B-B602-48E9-BE4A-7CD1C2A3E525}" type="datetimeFigureOut">
               <a:rPr lang="en-US" smtClean="0"/>
-              <a:t>6/11/2023</a:t>
+              <a:t>7/2/2023</a:t>
             </a:fld>
             <a:endParaRPr lang="en-US"/>
           </a:p>
@@ -468,7 +469,7 @@
           <a:p>
             <a:fld id="{92BD0B2B-B602-48E9-BE4A-7CD1C2A3E525}" type="datetimeFigureOut">
               <a:rPr lang="en-US" smtClean="0"/>
-              <a:t>6/11/2023</a:t>
+              <a:t>7/2/2023</a:t>
             </a:fld>
             <a:endParaRPr lang="en-US"/>
           </a:p>
@@ -676,7 +677,7 @@
           <a:p>
             <a:fld id="{92BD0B2B-B602-48E9-BE4A-7CD1C2A3E525}" type="datetimeFigureOut">
               <a:rPr lang="en-US" smtClean="0"/>
-              <a:t>6/11/2023</a:t>
+              <a:t>7/2/2023</a:t>
             </a:fld>
             <a:endParaRPr lang="en-US"/>
           </a:p>
@@ -874,7 +875,7 @@
           <a:p>
             <a:fld id="{92BD0B2B-B602-48E9-BE4A-7CD1C2A3E525}" type="datetimeFigureOut">
               <a:rPr lang="en-US" smtClean="0"/>
-              <a:t>6/11/2023</a:t>
+              <a:t>7/2/2023</a:t>
             </a:fld>
             <a:endParaRPr lang="en-US"/>
           </a:p>
@@ -1149,7 +1150,7 @@
           <a:p>
             <a:fld id="{92BD0B2B-B602-48E9-BE4A-7CD1C2A3E525}" type="datetimeFigureOut">
               <a:rPr lang="en-US" smtClean="0"/>
-              <a:t>6/11/2023</a:t>
+              <a:t>7/2/2023</a:t>
             </a:fld>
             <a:endParaRPr lang="en-US"/>
           </a:p>
@@ -1414,7 +1415,7 @@
           <a:p>
             <a:fld id="{92BD0B2B-B602-48E9-BE4A-7CD1C2A3E525}" type="datetimeFigureOut">
               <a:rPr lang="en-US" smtClean="0"/>
-              <a:t>6/11/2023</a:t>
+              <a:t>7/2/2023</a:t>
             </a:fld>
             <a:endParaRPr lang="en-US"/>
           </a:p>
@@ -1826,7 +1827,7 @@
           <a:p>
             <a:fld id="{92BD0B2B-B602-48E9-BE4A-7CD1C2A3E525}" type="datetimeFigureOut">
               <a:rPr lang="en-US" smtClean="0"/>
-              <a:t>6/11/2023</a:t>
+              <a:t>7/2/2023</a:t>
             </a:fld>
             <a:endParaRPr lang="en-US"/>
           </a:p>
@@ -1967,7 +1968,7 @@
           <a:p>
             <a:fld id="{92BD0B2B-B602-48E9-BE4A-7CD1C2A3E525}" type="datetimeFigureOut">
               <a:rPr lang="en-US" smtClean="0"/>
-              <a:t>6/11/2023</a:t>
+              <a:t>7/2/2023</a:t>
             </a:fld>
             <a:endParaRPr lang="en-US"/>
           </a:p>
@@ -2080,7 +2081,7 @@
           <a:p>
             <a:fld id="{92BD0B2B-B602-48E9-BE4A-7CD1C2A3E525}" type="datetimeFigureOut">
               <a:rPr lang="en-US" smtClean="0"/>
-              <a:t>6/11/2023</a:t>
+              <a:t>7/2/2023</a:t>
             </a:fld>
             <a:endParaRPr lang="en-US"/>
           </a:p>
@@ -2391,7 +2392,7 @@
           <a:p>
             <a:fld id="{92BD0B2B-B602-48E9-BE4A-7CD1C2A3E525}" type="datetimeFigureOut">
               <a:rPr lang="en-US" smtClean="0"/>
-              <a:t>6/11/2023</a:t>
+              <a:t>7/2/2023</a:t>
             </a:fld>
             <a:endParaRPr lang="en-US"/>
           </a:p>
@@ -2679,7 +2680,7 @@
           <a:p>
             <a:fld id="{92BD0B2B-B602-48E9-BE4A-7CD1C2A3E525}" type="datetimeFigureOut">
               <a:rPr lang="en-US" smtClean="0"/>
-              <a:t>6/11/2023</a:t>
+              <a:t>7/2/2023</a:t>
             </a:fld>
             <a:endParaRPr lang="en-US"/>
           </a:p>
@@ -2920,7 +2921,7 @@
           <a:p>
             <a:fld id="{92BD0B2B-B602-48E9-BE4A-7CD1C2A3E525}" type="datetimeFigureOut">
               <a:rPr lang="en-US" smtClean="0"/>
-              <a:t>6/11/2023</a:t>
+              <a:t>7/2/2023</a:t>
             </a:fld>
             <a:endParaRPr lang="en-US"/>
           </a:p>
@@ -3345,6 +3346,112 @@
           <a:chExt cx="0" cy="0"/>
         </a:xfrm>
       </p:grpSpPr>
+      <p:sp>
+        <p:nvSpPr>
+          <p:cNvPr id="4" name="TextBox 3">
+            <a:extLst>
+              <a:ext uri="{FF2B5EF4-FFF2-40B4-BE49-F238E27FC236}">
+                <a16:creationId xmlns:a16="http://schemas.microsoft.com/office/drawing/2014/main" id="{F972693E-69F8-9D01-49A4-DC4AC29E1F24}"/>
+              </a:ext>
+            </a:extLst>
+          </p:cNvPr>
+          <p:cNvSpPr txBox="1"/>
+          <p:nvPr/>
+        </p:nvSpPr>
+        <p:spPr bwMode="white">
+          <a:xfrm>
+            <a:off x="1119103" y="2427353"/>
+            <a:ext cx="9953793" cy="1569660"/>
+          </a:xfrm>
+          <a:prstGeom prst="rect">
+            <a:avLst/>
+          </a:prstGeom>
+          <a:noFill/>
+        </p:spPr>
+        <p:txBody>
+          <a:bodyPr wrap="square" rtlCol="0">
+            <a:spAutoFit/>
+          </a:bodyPr>
+          <a:lstStyle/>
+          <a:p>
+            <a:r>
+              <a:rPr lang="en-US" sz="9600" b="0" i="0" dirty="0">
+                <a:solidFill>
+                  <a:schemeClr val="bg1"/>
+                </a:solidFill>
+                <a:effectLst/>
+                <a:latin typeface="gg sans"/>
+              </a:rPr>
+              <a:t>『</a:t>
+            </a:r>
+            <a:r>
+              <a:rPr lang="en-US" sz="9600" dirty="0" err="1">
+                <a:solidFill>
+                  <a:schemeClr val="bg1"/>
+                </a:solidFill>
+                <a:latin typeface="Source Code Pro" panose="020B0509030403020204" pitchFamily="49" charset="0"/>
+                <a:ea typeface="Source Code Pro" panose="020B0509030403020204" pitchFamily="49" charset="0"/>
+              </a:rPr>
+              <a:t>Dainisekai</a:t>
+            </a:r>
+            <a:r>
+              <a:rPr lang="en-US" sz="9600" b="0" i="0" dirty="0">
+                <a:solidFill>
+                  <a:schemeClr val="bg1"/>
+                </a:solidFill>
+                <a:effectLst/>
+                <a:latin typeface="gg sans"/>
+              </a:rPr>
+              <a:t>』</a:t>
+            </a:r>
+            <a:endParaRPr lang="en-US" sz="9600" dirty="0">
+              <a:solidFill>
+                <a:schemeClr val="bg1"/>
+              </a:solidFill>
+              <a:latin typeface="Source Code Pro" panose="020B0509030403020204" pitchFamily="49" charset="0"/>
+              <a:ea typeface="Source Code Pro" panose="020B0509030403020204" pitchFamily="49" charset="0"/>
+            </a:endParaRPr>
+          </a:p>
+        </p:txBody>
+      </p:sp>
+    </p:spTree>
+    <p:extLst>
+      <p:ext uri="{BB962C8B-B14F-4D97-AF65-F5344CB8AC3E}">
+        <p14:creationId xmlns:p14="http://schemas.microsoft.com/office/powerpoint/2010/main" val="1299883635"/>
+      </p:ext>
+    </p:extLst>
+  </p:cSld>
+  <p:clrMapOvr>
+    <a:masterClrMapping/>
+  </p:clrMapOvr>
+</p:sld>
+</file>
+
+<file path=ppt/slides/slide2.xml><?xml version="1.0" encoding="utf-8"?>
+<p:sld xmlns:a="http://schemas.openxmlformats.org/drawingml/2006/main" xmlns:r="http://schemas.openxmlformats.org/officeDocument/2006/relationships" xmlns:p="http://schemas.openxmlformats.org/presentationml/2006/main">
+  <p:cSld>
+    <p:bg>
+      <p:bgPr>
+        <a:solidFill>
+          <a:schemeClr val="tx1"/>
+        </a:solidFill>
+        <a:effectLst/>
+      </p:bgPr>
+    </p:bg>
+    <p:spTree>
+      <p:nvGrpSpPr>
+        <p:cNvPr id="1" name=""/>
+        <p:cNvGrpSpPr/>
+        <p:nvPr/>
+      </p:nvGrpSpPr>
+      <p:grpSpPr>
+        <a:xfrm>
+          <a:off x="0" y="0"/>
+          <a:ext cx="0" cy="0"/>
+          <a:chOff x="0" y="0"/>
+          <a:chExt cx="0" cy="0"/>
+        </a:xfrm>
+      </p:grpSpPr>
       <p:grpSp>
         <p:nvGrpSpPr>
           <p:cNvPr id="8" name="Group 7">
@@ -3521,7 +3628,7 @@
     </p:spTree>
     <p:extLst>
       <p:ext uri="{BB962C8B-B14F-4D97-AF65-F5344CB8AC3E}">
-        <p14:creationId xmlns:p14="http://schemas.microsoft.com/office/powerpoint/2010/main" val="1299883635"/>
+        <p14:creationId xmlns:p14="http://schemas.microsoft.com/office/powerpoint/2010/main" val="2252964847"/>
       </p:ext>
     </p:extLst>
   </p:cSld>
